--- a/presentation/js_group_project_presentation.pptx
+++ b/presentation/js_group_project_presentation.pptx
@@ -79,7 +79,7 @@
         <p:txBody>
           <a:bodyPr/>
           <a:p>
-            <a:fld id="{F3A71A70-1481-4EEC-9923-AFAEF844C69E}" type="slidenum">
+            <a:fld id="{7699E45B-CD61-4453-A48B-FB3BBBF60A81}" type="slidenum">
               <a:t>&lt;#&gt;</a:t>
             </a:fld>
           </a:p>
@@ -288,7 +288,7 @@
         <p:txBody>
           <a:bodyPr/>
           <a:p>
-            <a:fld id="{024CE6AE-AD4B-4655-9554-491E8B9D2AA5}" type="slidenum">
+            <a:fld id="{EFADBFEC-E792-4914-A0FA-BC770C7B23EE}" type="slidenum">
               <a:t>&lt;#&gt;</a:t>
             </a:fld>
           </a:p>
@@ -583,7 +583,7 @@
         <p:txBody>
           <a:bodyPr/>
           <a:p>
-            <a:fld id="{A594AC0E-DF07-4D7A-B0D2-265ADCF70FFE}" type="slidenum">
+            <a:fld id="{04147862-1A7F-47EA-973A-13C1813F5436}" type="slidenum">
               <a:t>&lt;#&gt;</a:t>
             </a:fld>
           </a:p>
@@ -964,7 +964,7 @@
         <p:txBody>
           <a:bodyPr/>
           <a:p>
-            <a:fld id="{C24DBED4-CA73-4C88-80DB-A848684A73A2}" type="slidenum">
+            <a:fld id="{EAA29A09-1FA9-426E-9A8E-7FE609311F6D}" type="slidenum">
               <a:t>&lt;#&gt;</a:t>
             </a:fld>
           </a:p>
@@ -1047,7 +1047,7 @@
         <p:txBody>
           <a:bodyPr/>
           <a:p>
-            <a:fld id="{23934D01-5F8E-4606-8CFF-B2B89E64C42C}" type="slidenum">
+            <a:fld id="{604D5ED3-7DFF-4550-AE21-D80836115D74}" type="slidenum">
               <a:t>&lt;#&gt;</a:t>
             </a:fld>
           </a:p>
@@ -1210,7 +1210,7 @@
         <p:txBody>
           <a:bodyPr/>
           <a:p>
-            <a:fld id="{154A9D68-91C1-452E-98F8-F68B666D0B88}" type="slidenum">
+            <a:fld id="{52E9DFD0-9E6E-4673-A23B-13586F172880}" type="slidenum">
               <a:t>&lt;#&gt;</a:t>
             </a:fld>
           </a:p>
@@ -1376,7 +1376,7 @@
         <p:txBody>
           <a:bodyPr/>
           <a:p>
-            <a:fld id="{DE473F0F-0E6D-4075-A830-2799FD38D0C1}" type="slidenum">
+            <a:fld id="{AFDB118D-4BAB-4F7C-A93D-3F2D8B92F886}" type="slidenum">
               <a:t>&lt;#&gt;</a:t>
             </a:fld>
           </a:p>
@@ -1585,7 +1585,7 @@
         <p:txBody>
           <a:bodyPr/>
           <a:p>
-            <a:fld id="{B10196F3-AA46-4633-A231-BD5121B6A4BA}" type="slidenum">
+            <a:fld id="{ABB19E97-BE32-44FA-A378-B5C55AC5260D}" type="slidenum">
               <a:t>&lt;#&gt;</a:t>
             </a:fld>
           </a:p>
@@ -1708,7 +1708,7 @@
         <p:txBody>
           <a:bodyPr/>
           <a:p>
-            <a:fld id="{6B1EBB14-77EE-442B-9713-9CC0DF6DD099}" type="slidenum">
+            <a:fld id="{5737B686-35D5-483C-A33E-E84345AF4D59}" type="slidenum">
               <a:t>&lt;#&gt;</a:t>
             </a:fld>
           </a:p>
@@ -1829,7 +1829,7 @@
         <p:txBody>
           <a:bodyPr/>
           <a:p>
-            <a:fld id="{7E06B01C-77BF-41E4-BDDC-EC451C906D3B}" type="slidenum">
+            <a:fld id="{ECC855D3-75AD-4DB2-B123-34C73EAA8113}" type="slidenum">
               <a:t>&lt;#&gt;</a:t>
             </a:fld>
           </a:p>
@@ -2081,7 +2081,7 @@
         <p:txBody>
           <a:bodyPr/>
           <a:p>
-            <a:fld id="{AF282BAA-C73C-4AD5-99A4-FE3FCE85C7A3}" type="slidenum">
+            <a:fld id="{7B986B12-06DF-4206-AD8C-43DE1D6FBC83}" type="slidenum">
               <a:t>&lt;#&gt;</a:t>
             </a:fld>
           </a:p>
@@ -2244,7 +2244,7 @@
         <p:txBody>
           <a:bodyPr/>
           <a:p>
-            <a:fld id="{46F51E3F-CC26-4792-8571-0653DAE7B92F}" type="slidenum">
+            <a:fld id="{DB71585D-8398-443C-89D4-0FA632721A31}" type="slidenum">
               <a:t>&lt;#&gt;</a:t>
             </a:fld>
           </a:p>
@@ -2496,7 +2496,7 @@
         <p:txBody>
           <a:bodyPr/>
           <a:p>
-            <a:fld id="{F27612EE-B683-4C9B-9DC5-9935CEE5B001}" type="slidenum">
+            <a:fld id="{2D20C6B9-DC32-4DE0-A355-A8751E99DEDD}" type="slidenum">
               <a:t>&lt;#&gt;</a:t>
             </a:fld>
           </a:p>
@@ -2748,7 +2748,7 @@
         <p:txBody>
           <a:bodyPr/>
           <a:p>
-            <a:fld id="{3BAD3481-4C15-4E22-8C11-A2D24AAA99B4}" type="slidenum">
+            <a:fld id="{2ADD2BF8-53AB-49EE-B0E6-32B8319A6926}" type="slidenum">
               <a:t>&lt;#&gt;</a:t>
             </a:fld>
           </a:p>
@@ -2957,7 +2957,7 @@
         <p:txBody>
           <a:bodyPr/>
           <a:p>
-            <a:fld id="{5CA506C1-5A73-49AE-B542-37C8C64D0632}" type="slidenum">
+            <a:fld id="{10B0FFD7-0AC8-42B6-9F54-0DABC706459A}" type="slidenum">
               <a:t>&lt;#&gt;</a:t>
             </a:fld>
           </a:p>
@@ -3252,7 +3252,7 @@
         <p:txBody>
           <a:bodyPr/>
           <a:p>
-            <a:fld id="{5FBB179A-ED53-4315-9C3C-70E8D6F6B01B}" type="slidenum">
+            <a:fld id="{264E6C1F-22A8-4D6C-9410-94A3D5AE60F9}" type="slidenum">
               <a:t>&lt;#&gt;</a:t>
             </a:fld>
           </a:p>
@@ -3633,7 +3633,7 @@
         <p:txBody>
           <a:bodyPr/>
           <a:p>
-            <a:fld id="{A9054BEB-00E9-4DFB-809A-41B502DD629E}" type="slidenum">
+            <a:fld id="{C735E653-FA02-4B5A-A63D-53D347B0747E}" type="slidenum">
               <a:t>&lt;#&gt;</a:t>
             </a:fld>
           </a:p>
@@ -3799,7 +3799,7 @@
         <p:txBody>
           <a:bodyPr/>
           <a:p>
-            <a:fld id="{52CC36F7-13E9-4D05-964D-0016E72204F9}" type="slidenum">
+            <a:fld id="{6CF28DFC-647D-434B-BD42-EDD496966474}" type="slidenum">
               <a:t>&lt;#&gt;</a:t>
             </a:fld>
           </a:p>
@@ -4008,7 +4008,7 @@
         <p:txBody>
           <a:bodyPr/>
           <a:p>
-            <a:fld id="{BAB86EE8-A8AA-49C0-A022-494F266C0C81}" type="slidenum">
+            <a:fld id="{A37F7B86-80EA-4597-810C-CE5AA2F977D4}" type="slidenum">
               <a:t>&lt;#&gt;</a:t>
             </a:fld>
           </a:p>
@@ -4131,7 +4131,7 @@
         <p:txBody>
           <a:bodyPr/>
           <a:p>
-            <a:fld id="{B091CA86-EB5B-463D-AD40-A5FF0A76AE31}" type="slidenum">
+            <a:fld id="{4451CE21-C728-4AB5-8E84-C23B3D305DF1}" type="slidenum">
               <a:t>&lt;#&gt;</a:t>
             </a:fld>
           </a:p>
@@ -4252,7 +4252,7 @@
         <p:txBody>
           <a:bodyPr/>
           <a:p>
-            <a:fld id="{C1A1AD3B-DD85-4F47-8FCB-2582A66BFAE1}" type="slidenum">
+            <a:fld id="{0466DB26-51F2-4BDA-A319-3DAB6E142DB2}" type="slidenum">
               <a:t>&lt;#&gt;</a:t>
             </a:fld>
           </a:p>
@@ -4504,7 +4504,7 @@
         <p:txBody>
           <a:bodyPr/>
           <a:p>
-            <a:fld id="{15F6F1D0-B1CD-4C97-8DEC-5CB401475DE4}" type="slidenum">
+            <a:fld id="{977FAAD0-979F-40EA-A739-77960F9FFA4F}" type="slidenum">
               <a:t>&lt;#&gt;</a:t>
             </a:fld>
           </a:p>
@@ -4756,7 +4756,7 @@
         <p:txBody>
           <a:bodyPr/>
           <a:p>
-            <a:fld id="{50EF3A8A-DDAD-49DC-9FB5-C6239D34CA14}" type="slidenum">
+            <a:fld id="{DCB7D809-F80E-441D-AF34-78CCF2B0BDB3}" type="slidenum">
               <a:t>&lt;#&gt;</a:t>
             </a:fld>
           </a:p>
@@ -5008,7 +5008,7 @@
         <p:txBody>
           <a:bodyPr/>
           <a:p>
-            <a:fld id="{5E2EAF5E-85E8-4DA8-BB5B-7EC194B4F3C5}" type="slidenum">
+            <a:fld id="{24112AB4-5C85-4B08-AFB4-2355039F29F8}" type="slidenum">
               <a:t>&lt;#&gt;</a:t>
             </a:fld>
           </a:p>
@@ -6067,7 +6067,7 @@
                 <a:tab algn="l" pos="0"/>
               </a:tabLst>
             </a:pPr>
-            <a:fld id="{AF6B0A2D-018C-450C-925A-2C2BFAE1D4D0}" type="slidenum">
+            <a:fld id="{E12FB8F2-1AAD-4116-BC71-43BD807549ED}" type="slidenum">
               <a:rPr b="0" lang="en-GB" sz="1400" spc="-1" strike="noStrike">
                 <a:solidFill>
                   <a:srgbClr val="000000"/>
@@ -7740,7 +7740,7 @@
                 <a:tab algn="l" pos="0"/>
               </a:tabLst>
             </a:pPr>
-            <a:fld id="{4F0AC752-F2E5-40DC-BF8D-2A9F54D93675}" type="slidenum">
+            <a:fld id="{F0C99CA0-0423-4258-B899-34DE2CACF117}" type="slidenum">
               <a:rPr b="0" lang="en-GB" sz="1400" spc="-1" strike="noStrike">
                 <a:solidFill>
                   <a:srgbClr val="000000"/>
@@ -7897,7 +7897,7 @@
         <p:txBody>
           <a:bodyPr/>
           <a:p>
-            <a:fld id="{72C8A78C-FA20-4BC9-B931-FC4D2342487E}" type="slidenum">
+            <a:fld id="{7A24BFE7-6C38-4A44-A4C9-2361442B27C4}" type="slidenum">
               <a:t>1</a:t>
             </a:fld>
           </a:p>
@@ -8290,7 +8290,7 @@
         <p:txBody>
           <a:bodyPr/>
           <a:p>
-            <a:fld id="{3D25C5D2-88A4-4841-B921-B1AB2D2366BB}" type="slidenum">
+            <a:fld id="{99BD6E55-C071-473F-9028-267B58BC8D98}" type="slidenum">
               <a:t>10</a:t>
             </a:fld>
           </a:p>
@@ -8309,32 +8309,32 @@
   <p:timing>
     <p:tnLst>
       <p:par>
-        <p:cTn id="38" dur="indefinite" restart="never" nodeType="tmRoot">
+        <p:cTn id="46" dur="indefinite" restart="never" nodeType="tmRoot">
           <p:childTnLst>
             <p:seq>
-              <p:cTn id="39" dur="indefinite" nodeType="mainSeq">
+              <p:cTn id="47" dur="indefinite" nodeType="mainSeq">
                 <p:childTnLst>
                   <p:par>
-                    <p:cTn id="40" fill="hold">
+                    <p:cTn id="48" fill="hold">
                       <p:stCondLst>
                         <p:cond delay="indefinite"/>
                       </p:stCondLst>
                       <p:childTnLst>
                         <p:par>
-                          <p:cTn id="41" fill="hold">
+                          <p:cTn id="49" fill="hold">
                             <p:stCondLst>
                               <p:cond delay="0"/>
                             </p:stCondLst>
                             <p:childTnLst>
                               <p:par>
-                                <p:cTn id="42" nodeType="clickEffect" fill="hold" presetClass="entr" presetID="2" presetSubtype="4">
+                                <p:cTn id="50" nodeType="clickEffect" fill="hold" presetClass="entr" presetID="2" presetSubtype="4">
                                   <p:stCondLst>
                                     <p:cond delay="0"/>
                                   </p:stCondLst>
                                   <p:childTnLst>
                                     <p:set>
                                       <p:cBhvr>
-                                        <p:cTn id="43" dur="1" fill="hold">
+                                        <p:cTn id="51" dur="1" fill="hold">
                                           <p:stCondLst>
                                             <p:cond delay="0"/>
                                           </p:stCondLst>
@@ -8356,7 +8356,7 @@
                                     </p:set>
                                     <p:anim calcmode="lin" valueType="num">
                                       <p:cBhvr additive="repl">
-                                        <p:cTn id="44" dur="500" fill="hold"/>
+                                        <p:cTn id="52" dur="500" fill="hold"/>
                                         <p:tgtEl>
                                           <p:spTgt spid="119">
                                             <p:txEl>
@@ -8383,7 +8383,7 @@
                                     </p:anim>
                                     <p:anim calcmode="lin" valueType="num">
                                       <p:cBhvr additive="repl">
-                                        <p:cTn id="45" dur="500" fill="hold"/>
+                                        <p:cTn id="53" dur="500" fill="hold"/>
                                         <p:tgtEl>
                                           <p:spTgt spid="119">
                                             <p:txEl>
@@ -8418,26 +8418,26 @@
                     </p:cTn>
                   </p:par>
                   <p:par>
-                    <p:cTn id="46" fill="hold">
+                    <p:cTn id="54" fill="hold">
                       <p:stCondLst>
                         <p:cond delay="indefinite"/>
                       </p:stCondLst>
                       <p:childTnLst>
                         <p:par>
-                          <p:cTn id="47" fill="hold">
+                          <p:cTn id="55" fill="hold">
                             <p:stCondLst>
                               <p:cond delay="0"/>
                             </p:stCondLst>
                             <p:childTnLst>
                               <p:par>
-                                <p:cTn id="48" nodeType="clickEffect" fill="hold" presetClass="entr" presetID="1">
+                                <p:cTn id="56" nodeType="clickEffect" fill="hold" presetClass="entr" presetID="1">
                                   <p:stCondLst>
                                     <p:cond delay="0"/>
                                   </p:stCondLst>
                                   <p:childTnLst>
                                     <p:set>
                                       <p:cBhvr>
-                                        <p:cTn id="49" dur="1" fill="hold">
+                                        <p:cTn id="57" dur="1" fill="hold">
                                           <p:stCondLst>
                                             <p:cond delay="0"/>
                                           </p:stCondLst>
@@ -8463,26 +8463,26 @@
                     </p:cTn>
                   </p:par>
                   <p:par>
-                    <p:cTn id="50" fill="hold">
+                    <p:cTn id="58" fill="hold">
                       <p:stCondLst>
                         <p:cond delay="indefinite"/>
                       </p:stCondLst>
                       <p:childTnLst>
                         <p:par>
-                          <p:cTn id="51" fill="hold">
+                          <p:cTn id="59" fill="hold">
                             <p:stCondLst>
                               <p:cond delay="0"/>
                             </p:stCondLst>
                             <p:childTnLst>
                               <p:par>
-                                <p:cTn id="52" nodeType="clickEffect" fill="hold" presetClass="entr" presetID="1">
+                                <p:cTn id="60" nodeType="clickEffect" fill="hold" presetClass="entr" presetID="1">
                                   <p:stCondLst>
                                     <p:cond delay="0"/>
                                   </p:stCondLst>
                                   <p:childTnLst>
                                     <p:set>
                                       <p:cBhvr>
-                                        <p:cTn id="53" dur="1" fill="hold">
+                                        <p:cTn id="61" dur="1" fill="hold">
                                           <p:stCondLst>
                                             <p:cond delay="0"/>
                                           </p:stCondLst>
@@ -8928,7 +8928,7 @@
         <p:txBody>
           <a:bodyPr/>
           <a:p>
-            <a:fld id="{3EF06988-B155-46A4-8CB7-7D3D4F8822C2}" type="slidenum">
+            <a:fld id="{8CA36078-2AED-406B-BDF5-98E8E4D9491F}" type="slidenum">
               <a:t>11</a:t>
             </a:fld>
           </a:p>
@@ -9366,7 +9366,7 @@
         <p:txBody>
           <a:bodyPr/>
           <a:p>
-            <a:fld id="{E424883F-1C05-483A-9490-8CDAF837AEC1}" type="slidenum">
+            <a:fld id="{42C2AB9F-2FB9-4229-9F77-D438CA37C9F7}" type="slidenum">
               <a:t>12</a:t>
             </a:fld>
           </a:p>
@@ -9385,32 +9385,32 @@
   <p:timing>
     <p:tnLst>
       <p:par>
-        <p:cTn id="54" dur="indefinite" restart="never" nodeType="tmRoot">
+        <p:cTn id="62" dur="indefinite" restart="never" nodeType="tmRoot">
           <p:childTnLst>
             <p:seq>
-              <p:cTn id="55" dur="indefinite" nodeType="mainSeq">
+              <p:cTn id="63" dur="indefinite" nodeType="mainSeq">
                 <p:childTnLst>
                   <p:par>
-                    <p:cTn id="56" fill="hold">
+                    <p:cTn id="64" fill="hold">
                       <p:stCondLst>
                         <p:cond delay="indefinite"/>
                       </p:stCondLst>
                       <p:childTnLst>
                         <p:par>
-                          <p:cTn id="57" fill="hold">
+                          <p:cTn id="65" fill="hold">
                             <p:stCondLst>
                               <p:cond delay="0"/>
                             </p:stCondLst>
                             <p:childTnLst>
                               <p:par>
-                                <p:cTn id="58" nodeType="clickEffect" fill="hold" presetClass="entr" presetID="2" presetSubtype="4">
+                                <p:cTn id="66" nodeType="clickEffect" fill="hold" presetClass="entr" presetID="2" presetSubtype="4">
                                   <p:stCondLst>
                                     <p:cond delay="0"/>
                                   </p:stCondLst>
                                   <p:childTnLst>
                                     <p:set>
                                       <p:cBhvr>
-                                        <p:cTn id="59" dur="1" fill="hold">
+                                        <p:cTn id="67" dur="1" fill="hold">
                                           <p:stCondLst>
                                             <p:cond delay="0"/>
                                           </p:stCondLst>
@@ -9432,7 +9432,7 @@
                                     </p:set>
                                     <p:anim calcmode="lin" valueType="num">
                                       <p:cBhvr additive="repl">
-                                        <p:cTn id="60" dur="500" fill="hold"/>
+                                        <p:cTn id="68" dur="500" fill="hold"/>
                                         <p:tgtEl>
                                           <p:spTgt spid="124">
                                             <p:txEl>
@@ -9459,7 +9459,7 @@
                                     </p:anim>
                                     <p:anim calcmode="lin" valueType="num">
                                       <p:cBhvr additive="repl">
-                                        <p:cTn id="61" dur="500" fill="hold"/>
+                                        <p:cTn id="69" dur="500" fill="hold"/>
                                         <p:tgtEl>
                                           <p:spTgt spid="124">
                                             <p:txEl>
@@ -9494,26 +9494,26 @@
                     </p:cTn>
                   </p:par>
                   <p:par>
-                    <p:cTn id="62" fill="hold">
+                    <p:cTn id="70" fill="hold">
                       <p:stCondLst>
                         <p:cond delay="indefinite"/>
                       </p:stCondLst>
                       <p:childTnLst>
                         <p:par>
-                          <p:cTn id="63" fill="hold">
+                          <p:cTn id="71" fill="hold">
                             <p:stCondLst>
                               <p:cond delay="0"/>
                             </p:stCondLst>
                             <p:childTnLst>
                               <p:par>
-                                <p:cTn id="64" nodeType="clickEffect" fill="hold" presetClass="entr" presetID="1">
+                                <p:cTn id="72" nodeType="clickEffect" fill="hold" presetClass="entr" presetID="1">
                                   <p:stCondLst>
                                     <p:cond delay="0"/>
                                   </p:stCondLst>
                                   <p:childTnLst>
                                     <p:set>
                                       <p:cBhvr>
-                                        <p:cTn id="65" dur="1" fill="hold">
+                                        <p:cTn id="73" dur="1" fill="hold">
                                           <p:stCondLst>
                                             <p:cond delay="0"/>
                                           </p:stCondLst>
@@ -9823,7 +9823,7 @@
         <p:txBody>
           <a:bodyPr/>
           <a:p>
-            <a:fld id="{4CE21A7D-2574-4C49-B1C1-7EB27AF9B608}" type="slidenum">
+            <a:fld id="{5993731A-4B11-49B4-8524-ABFB286C3D53}" type="slidenum">
               <a:t>13</a:t>
             </a:fld>
           </a:p>
@@ -9842,32 +9842,32 @@
   <p:timing>
     <p:tnLst>
       <p:par>
-        <p:cTn id="66" dur="indefinite" restart="never" nodeType="tmRoot">
+        <p:cTn id="74" dur="indefinite" restart="never" nodeType="tmRoot">
           <p:childTnLst>
             <p:seq>
-              <p:cTn id="67" dur="indefinite" nodeType="mainSeq">
+              <p:cTn id="75" dur="indefinite" nodeType="mainSeq">
                 <p:childTnLst>
                   <p:par>
-                    <p:cTn id="68" fill="hold">
+                    <p:cTn id="76" fill="hold">
                       <p:stCondLst>
                         <p:cond delay="indefinite"/>
                       </p:stCondLst>
                       <p:childTnLst>
                         <p:par>
-                          <p:cTn id="69" fill="hold">
+                          <p:cTn id="77" fill="hold">
                             <p:stCondLst>
                               <p:cond delay="0"/>
                             </p:stCondLst>
                             <p:childTnLst>
                               <p:par>
-                                <p:cTn id="70" nodeType="clickEffect" fill="hold" presetClass="entr" presetID="2" presetSubtype="4">
+                                <p:cTn id="78" nodeType="clickEffect" fill="hold" presetClass="entr" presetID="2" presetSubtype="4">
                                   <p:stCondLst>
                                     <p:cond delay="0"/>
                                   </p:stCondLst>
                                   <p:childTnLst>
                                     <p:set>
                                       <p:cBhvr>
-                                        <p:cTn id="71" dur="1" fill="hold">
+                                        <p:cTn id="79" dur="1" fill="hold">
                                           <p:stCondLst>
                                             <p:cond delay="0"/>
                                           </p:stCondLst>
@@ -9889,7 +9889,7 @@
                                     </p:set>
                                     <p:anim calcmode="lin" valueType="num">
                                       <p:cBhvr additive="repl">
-                                        <p:cTn id="72" dur="500" fill="hold"/>
+                                        <p:cTn id="80" dur="500" fill="hold"/>
                                         <p:tgtEl>
                                           <p:spTgt spid="126">
                                             <p:txEl>
@@ -9916,7 +9916,7 @@
                                     </p:anim>
                                     <p:anim calcmode="lin" valueType="num">
                                       <p:cBhvr additive="repl">
-                                        <p:cTn id="73" dur="500" fill="hold"/>
+                                        <p:cTn id="81" dur="500" fill="hold"/>
                                         <p:tgtEl>
                                           <p:spTgt spid="126">
                                             <p:txEl>
@@ -9951,26 +9951,26 @@
                     </p:cTn>
                   </p:par>
                   <p:par>
-                    <p:cTn id="74" fill="hold">
+                    <p:cTn id="82" fill="hold">
                       <p:stCondLst>
                         <p:cond delay="indefinite"/>
                       </p:stCondLst>
                       <p:childTnLst>
                         <p:par>
-                          <p:cTn id="75" fill="hold">
+                          <p:cTn id="83" fill="hold">
                             <p:stCondLst>
                               <p:cond delay="0"/>
                             </p:stCondLst>
                             <p:childTnLst>
                               <p:par>
-                                <p:cTn id="76" nodeType="clickEffect" fill="hold" presetClass="entr" presetID="1">
+                                <p:cTn id="84" nodeType="clickEffect" fill="hold" presetClass="entr" presetID="1">
                                   <p:stCondLst>
                                     <p:cond delay="0"/>
                                   </p:stCondLst>
                                   <p:childTnLst>
                                     <p:set>
                                       <p:cBhvr>
-                                        <p:cTn id="77" dur="1" fill="hold">
+                                        <p:cTn id="85" dur="1" fill="hold">
                                           <p:stCondLst>
                                             <p:cond delay="0"/>
                                           </p:stCondLst>
@@ -10310,7 +10310,7 @@
         <p:txBody>
           <a:bodyPr/>
           <a:p>
-            <a:fld id="{C3C3081C-5B40-4427-B85F-67DC02A4FF7E}" type="slidenum">
+            <a:fld id="{B744C76A-E1BC-4582-8B19-86414D8B5821}" type="slidenum">
               <a:t>14</a:t>
             </a:fld>
           </a:p>
@@ -10329,32 +10329,32 @@
   <p:timing>
     <p:tnLst>
       <p:par>
-        <p:cTn id="78" dur="indefinite" restart="never" nodeType="tmRoot">
+        <p:cTn id="86" dur="indefinite" restart="never" nodeType="tmRoot">
           <p:childTnLst>
             <p:seq>
-              <p:cTn id="79" dur="indefinite" nodeType="mainSeq">
+              <p:cTn id="87" dur="indefinite" nodeType="mainSeq">
                 <p:childTnLst>
                   <p:par>
-                    <p:cTn id="80" fill="hold">
+                    <p:cTn id="88" fill="hold">
                       <p:stCondLst>
                         <p:cond delay="indefinite"/>
                       </p:stCondLst>
                       <p:childTnLst>
                         <p:par>
-                          <p:cTn id="81" fill="hold">
+                          <p:cTn id="89" fill="hold">
                             <p:stCondLst>
                               <p:cond delay="0"/>
                             </p:stCondLst>
                             <p:childTnLst>
                               <p:par>
-                                <p:cTn id="82" nodeType="clickEffect" fill="hold" presetClass="entr" presetID="1">
+                                <p:cTn id="90" nodeType="clickEffect" fill="hold" presetClass="entr" presetID="1">
                                   <p:stCondLst>
                                     <p:cond delay="0"/>
                                   </p:stCondLst>
                                   <p:childTnLst>
                                     <p:set>
                                       <p:cBhvr>
-                                        <p:cTn id="83" dur="1" fill="hold">
+                                        <p:cTn id="91" dur="1" fill="hold">
                                           <p:stCondLst>
                                             <p:cond delay="0"/>
                                           </p:stCondLst>
@@ -10384,26 +10384,26 @@
                     </p:cTn>
                   </p:par>
                   <p:par>
-                    <p:cTn id="84" fill="hold">
+                    <p:cTn id="92" fill="hold">
                       <p:stCondLst>
                         <p:cond delay="indefinite"/>
                       </p:stCondLst>
                       <p:childTnLst>
                         <p:par>
-                          <p:cTn id="85" fill="hold">
+                          <p:cTn id="93" fill="hold">
                             <p:stCondLst>
                               <p:cond delay="0"/>
                             </p:stCondLst>
                             <p:childTnLst>
                               <p:par>
-                                <p:cTn id="86" nodeType="clickEffect" fill="hold" presetClass="entr" presetID="1">
+                                <p:cTn id="94" nodeType="clickEffect" fill="hold" presetClass="entr" presetID="1">
                                   <p:stCondLst>
                                     <p:cond delay="0"/>
                                   </p:stCondLst>
                                   <p:childTnLst>
                                     <p:set>
                                       <p:cBhvr>
-                                        <p:cTn id="87" dur="1" fill="hold">
+                                        <p:cTn id="95" dur="1" fill="hold">
                                           <p:stCondLst>
                                             <p:cond delay="0"/>
                                           </p:stCondLst>
@@ -10776,7 +10776,7 @@
         <p:txBody>
           <a:bodyPr/>
           <a:p>
-            <a:fld id="{849463E6-55F8-4976-B356-F56D4587E2D3}" type="slidenum">
+            <a:fld id="{1C7A7CC8-C681-4306-B7EE-A7BCCBF3F9E0}" type="slidenum">
               <a:t>15</a:t>
             </a:fld>
           </a:p>
@@ -10795,32 +10795,32 @@
   <p:timing>
     <p:tnLst>
       <p:par>
-        <p:cTn id="88" dur="indefinite" restart="never" nodeType="tmRoot">
+        <p:cTn id="96" dur="indefinite" restart="never" nodeType="tmRoot">
           <p:childTnLst>
             <p:seq>
-              <p:cTn id="89" dur="indefinite" nodeType="mainSeq">
+              <p:cTn id="97" dur="indefinite" nodeType="mainSeq">
                 <p:childTnLst>
                   <p:par>
-                    <p:cTn id="90" fill="hold">
+                    <p:cTn id="98" fill="hold">
                       <p:stCondLst>
                         <p:cond delay="indefinite"/>
                       </p:stCondLst>
                       <p:childTnLst>
                         <p:par>
-                          <p:cTn id="91" fill="hold">
+                          <p:cTn id="99" fill="hold">
                             <p:stCondLst>
                               <p:cond delay="0"/>
                             </p:stCondLst>
                             <p:childTnLst>
                               <p:par>
-                                <p:cTn id="92" nodeType="clickEffect" fill="hold" presetClass="entr" presetID="2" presetSubtype="4">
+                                <p:cTn id="100" nodeType="clickEffect" fill="hold" presetClass="entr" presetID="2" presetSubtype="4">
                                   <p:stCondLst>
                                     <p:cond delay="0"/>
                                   </p:stCondLst>
                                   <p:childTnLst>
                                     <p:set>
                                       <p:cBhvr>
-                                        <p:cTn id="93" dur="1" fill="hold">
+                                        <p:cTn id="101" dur="1" fill="hold">
                                           <p:stCondLst>
                                             <p:cond delay="0"/>
                                           </p:stCondLst>
@@ -10842,7 +10842,7 @@
                                     </p:set>
                                     <p:anim calcmode="lin" valueType="num">
                                       <p:cBhvr additive="repl">
-                                        <p:cTn id="94" dur="500" fill="hold"/>
+                                        <p:cTn id="102" dur="500" fill="hold"/>
                                         <p:tgtEl>
                                           <p:spTgt spid="130">
                                             <p:txEl>
@@ -10869,7 +10869,7 @@
                                     </p:anim>
                                     <p:anim calcmode="lin" valueType="num">
                                       <p:cBhvr additive="repl">
-                                        <p:cTn id="95" dur="500" fill="hold"/>
+                                        <p:cTn id="103" dur="500" fill="hold"/>
                                         <p:tgtEl>
                                           <p:spTgt spid="130">
                                             <p:txEl>
@@ -11189,7 +11189,7 @@
         <p:txBody>
           <a:bodyPr/>
           <a:p>
-            <a:fld id="{060132CB-05C6-4010-8703-88A2AFFEA8E8}" type="slidenum">
+            <a:fld id="{707F00E6-D2E5-40D1-9B1D-B05909121601}" type="slidenum">
               <a:t>16</a:t>
             </a:fld>
           </a:p>
@@ -11208,32 +11208,32 @@
   <p:timing>
     <p:tnLst>
       <p:par>
-        <p:cTn id="96" dur="indefinite" restart="never" nodeType="tmRoot">
+        <p:cTn id="104" dur="indefinite" restart="never" nodeType="tmRoot">
           <p:childTnLst>
             <p:seq>
-              <p:cTn id="97" dur="indefinite" nodeType="mainSeq">
+              <p:cTn id="105" dur="indefinite" nodeType="mainSeq">
                 <p:childTnLst>
                   <p:par>
-                    <p:cTn id="98" fill="hold">
+                    <p:cTn id="106" fill="hold">
                       <p:stCondLst>
                         <p:cond delay="indefinite"/>
                       </p:stCondLst>
                       <p:childTnLst>
                         <p:par>
-                          <p:cTn id="99" fill="hold">
+                          <p:cTn id="107" fill="hold">
                             <p:stCondLst>
                               <p:cond delay="0"/>
                             </p:stCondLst>
                             <p:childTnLst>
                               <p:par>
-                                <p:cTn id="100" nodeType="clickEffect" fill="hold" presetClass="entr" presetID="1">
+                                <p:cTn id="108" nodeType="clickEffect" fill="hold" presetClass="entr" presetID="1">
                                   <p:stCondLst>
                                     <p:cond delay="0"/>
                                   </p:stCondLst>
                                   <p:childTnLst>
                                     <p:set>
                                       <p:cBhvr>
-                                        <p:cTn id="101" dur="1" fill="hold">
+                                        <p:cTn id="109" dur="1" fill="hold">
                                           <p:stCondLst>
                                             <p:cond delay="0"/>
                                           </p:stCondLst>
@@ -11489,7 +11489,7 @@
         <p:txBody>
           <a:bodyPr/>
           <a:p>
-            <a:fld id="{68AC77E7-8358-402F-83FC-14CD10B43C0F}" type="slidenum">
+            <a:fld id="{B69A5362-3013-4BB0-B43F-0E3690ABB123}" type="slidenum">
               <a:t>2</a:t>
             </a:fld>
           </a:p>
@@ -11686,7 +11686,16 @@
                 </a:solidFill>
                 <a:latin typeface="Aquire"/>
               </a:rPr>
-              <a:t>it was important to us that we pushed ourselves and learned new things. </a:t>
+              <a:t>it was important to us that we pushed </a:t>
+            </a:r>
+            <a:r>
+              <a:rPr b="0" lang="en-GB" sz="2400" spc="-1" strike="noStrike">
+                <a:solidFill>
+                  <a:srgbClr val="000000"/>
+                </a:solidFill>
+                <a:latin typeface="Aquire"/>
+              </a:rPr>
+              <a:t>ourselves and learned new things. </a:t>
             </a:r>
             <a:endParaRPr b="0" lang="en-GB" sz="2400" spc="-1" strike="noStrike">
               <a:solidFill>
@@ -11724,7 +11733,16 @@
                 </a:solidFill>
                 <a:latin typeface="Aquire"/>
               </a:rPr>
-              <a:t>As such, we set the following learning objectives..</a:t>
+              <a:t>As such, we set the following learning </a:t>
+            </a:r>
+            <a:r>
+              <a:rPr b="0" lang="en-GB" sz="2400" spc="-1" strike="noStrike">
+                <a:solidFill>
+                  <a:srgbClr val="000000"/>
+                </a:solidFill>
+                <a:latin typeface="Aquire"/>
+              </a:rPr>
+              <a:t>objectives..</a:t>
             </a:r>
             <a:r>
               <a:rPr b="1" lang="en-GB" sz="2400" spc="-1" strike="noStrike">
@@ -11759,7 +11777,7 @@
         <p:txBody>
           <a:bodyPr/>
           <a:p>
-            <a:fld id="{0E304F0E-AEC2-47E5-AC86-C4F20A7FF463}" type="slidenum">
+            <a:fld id="{EC916109-AEE4-4233-96B6-5F1A061B27F7}" type="slidenum">
               <a:t>3</a:t>
             </a:fld>
           </a:p>
@@ -12058,7 +12076,7 @@
         <p:txBody>
           <a:bodyPr/>
           <a:p>
-            <a:fld id="{FFD27561-6937-4EA8-91C8-F5DFF7EB2462}" type="slidenum">
+            <a:fld id="{432416CB-995E-4554-8148-FECAFADBD0D8}" type="slidenum">
               <a:t>4</a:t>
             </a:fld>
           </a:p>
@@ -12395,7 +12413,7 @@
         <p:txBody>
           <a:bodyPr/>
           <a:p>
-            <a:fld id="{752738D4-A3DB-492E-A3E7-6DFC9321B434}" type="slidenum">
+            <a:fld id="{009F1150-7E53-4554-90A8-B699D52EDC65}" type="slidenum">
               <a:t>5</a:t>
             </a:fld>
           </a:p>
@@ -12680,7 +12698,7 @@
         <p:txBody>
           <a:bodyPr/>
           <a:p>
-            <a:fld id="{C06EC608-6FF7-4B69-959C-104D1CF0D1AE}" type="slidenum">
+            <a:fld id="{B5A888E4-503E-4748-938A-8888769F9A5D}" type="slidenum">
               <a:t>6</a:t>
             </a:fld>
           </a:p>
@@ -12732,7 +12750,105 @@
                                         <p:tgtEl>
                                           <p:spTgt spid="110">
                                             <p:txEl>
+                                              <p:pRg st="1" end="1"/>
+                                            </p:txEl>
+                                          </p:spTgt>
+                                        </p:tgtEl>
+                                        <p:attrNameLst>
+                                          <p:attrName>style.visibility</p:attrName>
+                                        </p:attrNameLst>
+                                      </p:cBhvr>
+                                      <p:to>
+                                        <p:strVal val="visible"/>
+                                      </p:to>
+                                    </p:set>
+                                  </p:childTnLst>
+                                </p:cTn>
+                              </p:par>
+                            </p:childTnLst>
+                          </p:cTn>
+                        </p:par>
+                      </p:childTnLst>
+                    </p:cTn>
+                  </p:par>
+                  <p:par>
+                    <p:cTn id="7" fill="hold">
+                      <p:stCondLst>
+                        <p:cond delay="indefinite"/>
+                      </p:stCondLst>
+                      <p:childTnLst>
+                        <p:par>
+                          <p:cTn id="8" fill="hold">
+                            <p:stCondLst>
+                              <p:cond delay="0"/>
+                            </p:stCondLst>
+                            <p:childTnLst>
+                              <p:par>
+                                <p:cTn id="9" nodeType="clickEffect" fill="hold" presetClass="entr" presetID="1">
+                                  <p:stCondLst>
+                                    <p:cond delay="0"/>
+                                  </p:stCondLst>
+                                  <p:childTnLst>
+                                    <p:set>
+                                      <p:cBhvr>
+                                        <p:cTn id="10" dur="1" fill="hold">
+                                          <p:stCondLst>
+                                            <p:cond delay="0"/>
+                                          </p:stCondLst>
+                                        </p:cTn>
+                                        <p:tgtEl>
+                                          <p:spTgt spid="110">
+                                            <p:txEl>
                                               <p:pRg st="2" end="2"/>
+                                            </p:txEl>
+                                          </p:spTgt>
+                                        </p:tgtEl>
+                                        <p:attrNameLst>
+                                          <p:attrName>style.visibility</p:attrName>
+                                        </p:attrNameLst>
+                                      </p:cBhvr>
+                                      <p:to>
+                                        <p:strVal val="visible"/>
+                                      </p:to>
+                                    </p:set>
+                                  </p:childTnLst>
+                                </p:cTn>
+                              </p:par>
+                            </p:childTnLst>
+                          </p:cTn>
+                        </p:par>
+                      </p:childTnLst>
+                    </p:cTn>
+                  </p:par>
+                  <p:par>
+                    <p:cTn id="11" fill="hold">
+                      <p:stCondLst>
+                        <p:cond delay="indefinite"/>
+                      </p:stCondLst>
+                      <p:childTnLst>
+                        <p:par>
+                          <p:cTn id="12" fill="hold">
+                            <p:stCondLst>
+                              <p:cond delay="0"/>
+                            </p:stCondLst>
+                            <p:childTnLst>
+                              <p:par>
+                                <p:cTn id="13" nodeType="clickEffect" fill="hold" presetClass="entr" presetID="1">
+                                  <p:stCondLst>
+                                    <p:cond delay="0"/>
+                                  </p:stCondLst>
+                                  <p:childTnLst>
+                                    <p:set>
+                                      <p:cBhvr>
+                                        <p:cTn id="14" dur="1" fill="hold">
+                                          <p:stCondLst>
+                                            <p:cond delay="0"/>
+                                          </p:stCondLst>
+                                        </p:cTn>
+                                        <p:tgtEl>
+                                          <p:spTgt spid="110">
+                                            <p:txEl>
+                                              <p:pRg st="3" end="3"/>
                                             </p:txEl>
                                           </p:spTgt>
                                         </p:tgtEl>
@@ -13034,7 +13150,7 @@
         <p:txBody>
           <a:bodyPr/>
           <a:p>
-            <a:fld id="{41081381-86EF-4A4E-855B-D4935358170B}" type="slidenum">
+            <a:fld id="{5F7AA1F0-3A4E-4A1A-A277-2B87A8EB36F5}" type="slidenum">
               <a:t>7</a:t>
             </a:fld>
           </a:p>
@@ -13053,32 +13169,32 @@
   <p:timing>
     <p:tnLst>
       <p:par>
-        <p:cTn id="7" dur="indefinite" restart="never" nodeType="tmRoot">
+        <p:cTn id="15" dur="indefinite" restart="never" nodeType="tmRoot">
           <p:childTnLst>
             <p:seq>
-              <p:cTn id="8" dur="indefinite" nodeType="mainSeq">
+              <p:cTn id="16" dur="indefinite" nodeType="mainSeq">
                 <p:childTnLst>
                   <p:par>
-                    <p:cTn id="9" fill="hold">
+                    <p:cTn id="17" fill="hold">
                       <p:stCondLst>
                         <p:cond delay="indefinite"/>
                       </p:stCondLst>
                       <p:childTnLst>
                         <p:par>
-                          <p:cTn id="10" fill="hold">
+                          <p:cTn id="18" fill="hold">
                             <p:stCondLst>
                               <p:cond delay="0"/>
                             </p:stCondLst>
                             <p:childTnLst>
                               <p:par>
-                                <p:cTn id="11" nodeType="clickEffect" fill="hold" presetClass="entr" presetID="2" presetSubtype="4">
+                                <p:cTn id="19" nodeType="clickEffect" fill="hold" presetClass="entr" presetID="2" presetSubtype="4">
                                   <p:stCondLst>
                                     <p:cond delay="0"/>
                                   </p:stCondLst>
                                   <p:childTnLst>
                                     <p:set>
                                       <p:cBhvr>
-                                        <p:cTn id="12" dur="1" fill="hold">
+                                        <p:cTn id="20" dur="1" fill="hold">
                                           <p:stCondLst>
                                             <p:cond delay="0"/>
                                           </p:stCondLst>
@@ -13100,7 +13216,7 @@
                                     </p:set>
                                     <p:anim calcmode="lin" valueType="num">
                                       <p:cBhvr additive="repl">
-                                        <p:cTn id="13" dur="500" fill="hold"/>
+                                        <p:cTn id="21" dur="500" fill="hold"/>
                                         <p:tgtEl>
                                           <p:spTgt spid="112">
                                             <p:txEl>
@@ -13127,7 +13243,7 @@
                                     </p:anim>
                                     <p:anim calcmode="lin" valueType="num">
                                       <p:cBhvr additive="repl">
-                                        <p:cTn id="14" dur="500" fill="hold"/>
+                                        <p:cTn id="22" dur="500" fill="hold"/>
                                         <p:tgtEl>
                                           <p:spTgt spid="112">
                                             <p:txEl>
@@ -13162,26 +13278,26 @@
                     </p:cTn>
                   </p:par>
                   <p:par>
-                    <p:cTn id="15" fill="hold">
+                    <p:cTn id="23" fill="hold">
                       <p:stCondLst>
                         <p:cond delay="indefinite"/>
                       </p:stCondLst>
                       <p:childTnLst>
                         <p:par>
-                          <p:cTn id="16" fill="hold">
+                          <p:cTn id="24" fill="hold">
                             <p:stCondLst>
                               <p:cond delay="0"/>
                             </p:stCondLst>
                             <p:childTnLst>
                               <p:par>
-                                <p:cTn id="17" nodeType="clickEffect" fill="hold" presetClass="entr" presetID="1">
+                                <p:cTn id="25" nodeType="clickEffect" fill="hold" presetClass="entr" presetID="1">
                                   <p:stCondLst>
                                     <p:cond delay="0"/>
                                   </p:stCondLst>
                                   <p:childTnLst>
                                     <p:set>
                                       <p:cBhvr>
-                                        <p:cTn id="18" dur="1" fill="hold">
+                                        <p:cTn id="26" dur="1" fill="hold">
                                           <p:stCondLst>
                                             <p:cond delay="0"/>
                                           </p:stCondLst>
@@ -13510,7 +13626,7 @@
         <p:txBody>
           <a:bodyPr/>
           <a:p>
-            <a:fld id="{12646058-B317-45B1-A44C-D533F2C83ED2}" type="slidenum">
+            <a:fld id="{56E56A5D-1A0D-4566-98B5-6A39263D522E}" type="slidenum">
               <a:t>8</a:t>
             </a:fld>
           </a:p>
@@ -13529,32 +13645,32 @@
   <p:timing>
     <p:tnLst>
       <p:par>
-        <p:cTn id="19" dur="indefinite" restart="never" nodeType="tmRoot">
+        <p:cTn id="27" dur="indefinite" restart="never" nodeType="tmRoot">
           <p:childTnLst>
             <p:seq>
-              <p:cTn id="20" dur="indefinite" nodeType="mainSeq">
+              <p:cTn id="28" dur="indefinite" nodeType="mainSeq">
                 <p:childTnLst>
                   <p:par>
-                    <p:cTn id="21" fill="hold">
+                    <p:cTn id="29" fill="hold">
                       <p:stCondLst>
                         <p:cond delay="indefinite"/>
                       </p:stCondLst>
                       <p:childTnLst>
                         <p:par>
-                          <p:cTn id="22" fill="hold">
+                          <p:cTn id="30" fill="hold">
                             <p:stCondLst>
                               <p:cond delay="0"/>
                             </p:stCondLst>
                             <p:childTnLst>
                               <p:par>
-                                <p:cTn id="23" nodeType="clickEffect" fill="hold" presetClass="entr" presetID="14" presetSubtype="10">
+                                <p:cTn id="31" nodeType="clickEffect" fill="hold" presetClass="entr" presetID="14" presetSubtype="10">
                                   <p:stCondLst>
                                     <p:cond delay="0"/>
                                   </p:stCondLst>
                                   <p:childTnLst>
                                     <p:set>
                                       <p:cBhvr>
-                                        <p:cTn id="24" fill="hold">
+                                        <p:cTn id="32" fill="hold">
                                           <p:stCondLst>
                                             <p:cond delay="0"/>
                                           </p:stCondLst>
@@ -13572,7 +13688,7 @@
                                     </p:set>
                                     <p:animEffect filter="randombar(horizontal)" transition="in">
                                       <p:cBhvr additive="repl">
-                                        <p:cTn id="25" dur="250"/>
+                                        <p:cTn id="33" dur="250"/>
                                         <p:tgtEl>
                                           <p:spTgt spid="115"/>
                                         </p:tgtEl>
@@ -13918,7 +14034,7 @@
         <p:txBody>
           <a:bodyPr/>
           <a:p>
-            <a:fld id="{538EE951-D0D3-4E68-A84B-984B8444320B}" type="slidenum">
+            <a:fld id="{5EACE417-E56D-492E-81D5-1CEDD71B0675}" type="slidenum">
               <a:t>9</a:t>
             </a:fld>
           </a:p>
@@ -13937,32 +14053,32 @@
   <p:timing>
     <p:tnLst>
       <p:par>
-        <p:cTn id="26" dur="indefinite" restart="never" nodeType="tmRoot">
+        <p:cTn id="34" dur="indefinite" restart="never" nodeType="tmRoot">
           <p:childTnLst>
             <p:seq>
-              <p:cTn id="27" dur="indefinite" nodeType="mainSeq">
+              <p:cTn id="35" dur="indefinite" nodeType="mainSeq">
                 <p:childTnLst>
                   <p:par>
-                    <p:cTn id="28" fill="hold">
+                    <p:cTn id="36" fill="hold">
                       <p:stCondLst>
                         <p:cond delay="indefinite"/>
                       </p:stCondLst>
                       <p:childTnLst>
                         <p:par>
-                          <p:cTn id="29" fill="hold">
+                          <p:cTn id="37" fill="hold">
                             <p:stCondLst>
                               <p:cond delay="0"/>
                             </p:stCondLst>
                             <p:childTnLst>
                               <p:par>
-                                <p:cTn id="30" nodeType="clickEffect" fill="hold" presetClass="entr" presetID="2" presetSubtype="4">
+                                <p:cTn id="38" nodeType="clickEffect" fill="hold" presetClass="entr" presetID="2" presetSubtype="4">
                                   <p:stCondLst>
                                     <p:cond delay="0"/>
                                   </p:stCondLst>
                                   <p:childTnLst>
                                     <p:set>
                                       <p:cBhvr>
-                                        <p:cTn id="31" dur="1" fill="hold">
+                                        <p:cTn id="39" dur="1" fill="hold">
                                           <p:stCondLst>
                                             <p:cond delay="0"/>
                                           </p:stCondLst>
@@ -13984,7 +14100,7 @@
                                     </p:set>
                                     <p:anim calcmode="lin" valueType="num">
                                       <p:cBhvr additive="repl">
-                                        <p:cTn id="32" dur="500" fill="hold"/>
+                                        <p:cTn id="40" dur="500" fill="hold"/>
                                         <p:tgtEl>
                                           <p:spTgt spid="117">
                                             <p:txEl>
@@ -14011,7 +14127,7 @@
                                     </p:anim>
                                     <p:anim calcmode="lin" valueType="num">
                                       <p:cBhvr additive="repl">
-                                        <p:cTn id="33" dur="500" fill="hold"/>
+                                        <p:cTn id="41" dur="500" fill="hold"/>
                                         <p:tgtEl>
                                           <p:spTgt spid="117">
                                             <p:txEl>
@@ -14046,26 +14162,26 @@
                     </p:cTn>
                   </p:par>
                   <p:par>
-                    <p:cTn id="34" fill="hold">
+                    <p:cTn id="42" fill="hold">
                       <p:stCondLst>
                         <p:cond delay="indefinite"/>
                       </p:stCondLst>
                       <p:childTnLst>
                         <p:par>
-                          <p:cTn id="35" fill="hold">
+                          <p:cTn id="43" fill="hold">
                             <p:stCondLst>
                               <p:cond delay="0"/>
                             </p:stCondLst>
                             <p:childTnLst>
                               <p:par>
-                                <p:cTn id="36" nodeType="clickEffect" fill="hold" presetClass="entr" presetID="1">
+                                <p:cTn id="44" nodeType="clickEffect" fill="hold" presetClass="entr" presetID="1">
                                   <p:stCondLst>
                                     <p:cond delay="0"/>
                                   </p:stCondLst>
                                   <p:childTnLst>
                                     <p:set>
                                       <p:cBhvr>
-                                        <p:cTn id="37" dur="1" fill="hold">
+                                        <p:cTn id="45" dur="1" fill="hold">
                                           <p:stCondLst>
                                             <p:cond delay="0"/>
                                           </p:stCondLst>

--- a/presentation/js_group_project_presentation.pptx
+++ b/presentation/js_group_project_presentation.pptx
@@ -79,7 +79,7 @@
         <p:txBody>
           <a:bodyPr/>
           <a:p>
-            <a:fld id="{7699E45B-CD61-4453-A48B-FB3BBBF60A81}" type="slidenum">
+            <a:fld id="{8364B93A-A877-4421-964D-FEA92123EA94}" type="slidenum">
               <a:t>&lt;#&gt;</a:t>
             </a:fld>
           </a:p>
@@ -288,7 +288,7 @@
         <p:txBody>
           <a:bodyPr/>
           <a:p>
-            <a:fld id="{EFADBFEC-E792-4914-A0FA-BC770C7B23EE}" type="slidenum">
+            <a:fld id="{BC4A5C2B-1397-44B6-A140-F59BF968F40C}" type="slidenum">
               <a:t>&lt;#&gt;</a:t>
             </a:fld>
           </a:p>
@@ -583,7 +583,7 @@
         <p:txBody>
           <a:bodyPr/>
           <a:p>
-            <a:fld id="{04147862-1A7F-47EA-973A-13C1813F5436}" type="slidenum">
+            <a:fld id="{76E8EAD9-74F5-416E-8C6D-C1E09F868505}" type="slidenum">
               <a:t>&lt;#&gt;</a:t>
             </a:fld>
           </a:p>
@@ -964,7 +964,7 @@
         <p:txBody>
           <a:bodyPr/>
           <a:p>
-            <a:fld id="{EAA29A09-1FA9-426E-9A8E-7FE609311F6D}" type="slidenum">
+            <a:fld id="{6A02A6F8-9D86-4358-9835-A2A24A5ED677}" type="slidenum">
               <a:t>&lt;#&gt;</a:t>
             </a:fld>
           </a:p>
@@ -1047,7 +1047,7 @@
         <p:txBody>
           <a:bodyPr/>
           <a:p>
-            <a:fld id="{604D5ED3-7DFF-4550-AE21-D80836115D74}" type="slidenum">
+            <a:fld id="{8E3B89DB-F26D-4236-B5BE-F8DF26DC3327}" type="slidenum">
               <a:t>&lt;#&gt;</a:t>
             </a:fld>
           </a:p>
@@ -1210,7 +1210,7 @@
         <p:txBody>
           <a:bodyPr/>
           <a:p>
-            <a:fld id="{52E9DFD0-9E6E-4673-A23B-13586F172880}" type="slidenum">
+            <a:fld id="{CA042659-A87E-4381-816D-A77E68F067AC}" type="slidenum">
               <a:t>&lt;#&gt;</a:t>
             </a:fld>
           </a:p>
@@ -1376,7 +1376,7 @@
         <p:txBody>
           <a:bodyPr/>
           <a:p>
-            <a:fld id="{AFDB118D-4BAB-4F7C-A93D-3F2D8B92F886}" type="slidenum">
+            <a:fld id="{BBA50AD7-B908-4A50-B2BF-52ADBE714BA8}" type="slidenum">
               <a:t>&lt;#&gt;</a:t>
             </a:fld>
           </a:p>
@@ -1585,7 +1585,7 @@
         <p:txBody>
           <a:bodyPr/>
           <a:p>
-            <a:fld id="{ABB19E97-BE32-44FA-A378-B5C55AC5260D}" type="slidenum">
+            <a:fld id="{BC84E67D-854C-469A-AF59-2EE3E33E7AD7}" type="slidenum">
               <a:t>&lt;#&gt;</a:t>
             </a:fld>
           </a:p>
@@ -1708,7 +1708,7 @@
         <p:txBody>
           <a:bodyPr/>
           <a:p>
-            <a:fld id="{5737B686-35D5-483C-A33E-E84345AF4D59}" type="slidenum">
+            <a:fld id="{F38CDC02-AA5F-4F14-AF6F-F6B94914F679}" type="slidenum">
               <a:t>&lt;#&gt;</a:t>
             </a:fld>
           </a:p>
@@ -1829,7 +1829,7 @@
         <p:txBody>
           <a:bodyPr/>
           <a:p>
-            <a:fld id="{ECC855D3-75AD-4DB2-B123-34C73EAA8113}" type="slidenum">
+            <a:fld id="{6157ED03-1768-4811-B80B-F29A7349BE40}" type="slidenum">
               <a:t>&lt;#&gt;</a:t>
             </a:fld>
           </a:p>
@@ -2081,7 +2081,7 @@
         <p:txBody>
           <a:bodyPr/>
           <a:p>
-            <a:fld id="{7B986B12-06DF-4206-AD8C-43DE1D6FBC83}" type="slidenum">
+            <a:fld id="{1F0F41EC-ABC7-4B25-B379-214D485968A4}" type="slidenum">
               <a:t>&lt;#&gt;</a:t>
             </a:fld>
           </a:p>
@@ -2244,7 +2244,7 @@
         <p:txBody>
           <a:bodyPr/>
           <a:p>
-            <a:fld id="{DB71585D-8398-443C-89D4-0FA632721A31}" type="slidenum">
+            <a:fld id="{95A9AA94-0A28-4454-8BEE-1815F0D0060E}" type="slidenum">
               <a:t>&lt;#&gt;</a:t>
             </a:fld>
           </a:p>
@@ -2496,7 +2496,7 @@
         <p:txBody>
           <a:bodyPr/>
           <a:p>
-            <a:fld id="{2D20C6B9-DC32-4DE0-A355-A8751E99DEDD}" type="slidenum">
+            <a:fld id="{8D9E6AD0-B1B5-42F9-B0E7-E4FEB145B07C}" type="slidenum">
               <a:t>&lt;#&gt;</a:t>
             </a:fld>
           </a:p>
@@ -2748,7 +2748,7 @@
         <p:txBody>
           <a:bodyPr/>
           <a:p>
-            <a:fld id="{2ADD2BF8-53AB-49EE-B0E6-32B8319A6926}" type="slidenum">
+            <a:fld id="{AC46DB82-63A2-412F-8DD3-0406DAAF1916}" type="slidenum">
               <a:t>&lt;#&gt;</a:t>
             </a:fld>
           </a:p>
@@ -2957,7 +2957,7 @@
         <p:txBody>
           <a:bodyPr/>
           <a:p>
-            <a:fld id="{10B0FFD7-0AC8-42B6-9F54-0DABC706459A}" type="slidenum">
+            <a:fld id="{38BA3AFE-CDCA-4072-8E18-8E884540D5F3}" type="slidenum">
               <a:t>&lt;#&gt;</a:t>
             </a:fld>
           </a:p>
@@ -3252,7 +3252,7 @@
         <p:txBody>
           <a:bodyPr/>
           <a:p>
-            <a:fld id="{264E6C1F-22A8-4D6C-9410-94A3D5AE60F9}" type="slidenum">
+            <a:fld id="{23D28807-414E-43F4-9EDF-60DE2BEA9B47}" type="slidenum">
               <a:t>&lt;#&gt;</a:t>
             </a:fld>
           </a:p>
@@ -3633,7 +3633,7 @@
         <p:txBody>
           <a:bodyPr/>
           <a:p>
-            <a:fld id="{C735E653-FA02-4B5A-A63D-53D347B0747E}" type="slidenum">
+            <a:fld id="{50A83D96-F3B4-4FA1-92D6-2182B263E5F4}" type="slidenum">
               <a:t>&lt;#&gt;</a:t>
             </a:fld>
           </a:p>
@@ -3799,7 +3799,7 @@
         <p:txBody>
           <a:bodyPr/>
           <a:p>
-            <a:fld id="{6CF28DFC-647D-434B-BD42-EDD496966474}" type="slidenum">
+            <a:fld id="{884920BE-A749-4771-AADE-3D7CC8CFC1AA}" type="slidenum">
               <a:t>&lt;#&gt;</a:t>
             </a:fld>
           </a:p>
@@ -4008,7 +4008,7 @@
         <p:txBody>
           <a:bodyPr/>
           <a:p>
-            <a:fld id="{A37F7B86-80EA-4597-810C-CE5AA2F977D4}" type="slidenum">
+            <a:fld id="{9F6F43A2-749C-4915-BE05-93BE0773D5BA}" type="slidenum">
               <a:t>&lt;#&gt;</a:t>
             </a:fld>
           </a:p>
@@ -4131,7 +4131,7 @@
         <p:txBody>
           <a:bodyPr/>
           <a:p>
-            <a:fld id="{4451CE21-C728-4AB5-8E84-C23B3D305DF1}" type="slidenum">
+            <a:fld id="{DFAB4DD7-0B7B-41C1-B63A-4F0D76BA0EC3}" type="slidenum">
               <a:t>&lt;#&gt;</a:t>
             </a:fld>
           </a:p>
@@ -4252,7 +4252,7 @@
         <p:txBody>
           <a:bodyPr/>
           <a:p>
-            <a:fld id="{0466DB26-51F2-4BDA-A319-3DAB6E142DB2}" type="slidenum">
+            <a:fld id="{7120D597-D642-4AF1-A449-77A55597AA20}" type="slidenum">
               <a:t>&lt;#&gt;</a:t>
             </a:fld>
           </a:p>
@@ -4504,7 +4504,7 @@
         <p:txBody>
           <a:bodyPr/>
           <a:p>
-            <a:fld id="{977FAAD0-979F-40EA-A739-77960F9FFA4F}" type="slidenum">
+            <a:fld id="{0BF91080-C8BB-45E0-897A-E40309A847BF}" type="slidenum">
               <a:t>&lt;#&gt;</a:t>
             </a:fld>
           </a:p>
@@ -4756,7 +4756,7 @@
         <p:txBody>
           <a:bodyPr/>
           <a:p>
-            <a:fld id="{DCB7D809-F80E-441D-AF34-78CCF2B0BDB3}" type="slidenum">
+            <a:fld id="{CBD29DF8-B333-4535-B432-1C3357A9FBFB}" type="slidenum">
               <a:t>&lt;#&gt;</a:t>
             </a:fld>
           </a:p>
@@ -5008,7 +5008,7 @@
         <p:txBody>
           <a:bodyPr/>
           <a:p>
-            <a:fld id="{24112AB4-5C85-4B08-AFB4-2355039F29F8}" type="slidenum">
+            <a:fld id="{9DEFEC4A-B784-4465-99A3-F788D279A035}" type="slidenum">
               <a:t>&lt;#&gt;</a:t>
             </a:fld>
           </a:p>
@@ -6067,7 +6067,7 @@
                 <a:tab algn="l" pos="0"/>
               </a:tabLst>
             </a:pPr>
-            <a:fld id="{E12FB8F2-1AAD-4116-BC71-43BD807549ED}" type="slidenum">
+            <a:fld id="{BDA68456-0A96-4A4D-B8B5-C54AF4177121}" type="slidenum">
               <a:rPr b="0" lang="en-GB" sz="1400" spc="-1" strike="noStrike">
                 <a:solidFill>
                   <a:srgbClr val="000000"/>
@@ -7740,7 +7740,7 @@
                 <a:tab algn="l" pos="0"/>
               </a:tabLst>
             </a:pPr>
-            <a:fld id="{F0C99CA0-0423-4258-B899-34DE2CACF117}" type="slidenum">
+            <a:fld id="{3A23178C-E40D-48C1-9AEE-2769ED12B420}" type="slidenum">
               <a:rPr b="0" lang="en-GB" sz="1400" spc="-1" strike="noStrike">
                 <a:solidFill>
                   <a:srgbClr val="000000"/>
@@ -7897,7 +7897,7 @@
         <p:txBody>
           <a:bodyPr/>
           <a:p>
-            <a:fld id="{7A24BFE7-6C38-4A44-A4C9-2361442B27C4}" type="slidenum">
+            <a:fld id="{8FEA13F2-B6A2-4424-99A6-884209305479}" type="slidenum">
               <a:t>1</a:t>
             </a:fld>
           </a:p>
@@ -8290,7 +8290,7 @@
         <p:txBody>
           <a:bodyPr/>
           <a:p>
-            <a:fld id="{99BD6E55-C071-473F-9028-267B58BC8D98}" type="slidenum">
+            <a:fld id="{25FDB06C-0A1E-4DFF-9D66-3BC69482EAD7}" type="slidenum">
               <a:t>10</a:t>
             </a:fld>
           </a:p>
@@ -8928,7 +8928,7 @@
         <p:txBody>
           <a:bodyPr/>
           <a:p>
-            <a:fld id="{8CA36078-2AED-406B-BDF5-98E8E4D9491F}" type="slidenum">
+            <a:fld id="{9FF1892D-72CB-4BFC-A956-D6DA8DF523D4}" type="slidenum">
               <a:t>11</a:t>
             </a:fld>
           </a:p>
@@ -9366,7 +9366,7 @@
         <p:txBody>
           <a:bodyPr/>
           <a:p>
-            <a:fld id="{42C2AB9F-2FB9-4229-9F77-D438CA37C9F7}" type="slidenum">
+            <a:fld id="{4B62AB53-1288-46B3-B969-B013E0E8D93F}" type="slidenum">
               <a:t>12</a:t>
             </a:fld>
           </a:p>
@@ -9823,7 +9823,7 @@
         <p:txBody>
           <a:bodyPr/>
           <a:p>
-            <a:fld id="{5993731A-4B11-49B4-8524-ABFB286C3D53}" type="slidenum">
+            <a:fld id="{6C599526-F3C6-4994-B7ED-B14526E30770}" type="slidenum">
               <a:t>13</a:t>
             </a:fld>
           </a:p>
@@ -10310,7 +10310,7 @@
         <p:txBody>
           <a:bodyPr/>
           <a:p>
-            <a:fld id="{B744C76A-E1BC-4582-8B19-86414D8B5821}" type="slidenum">
+            <a:fld id="{92DF60BA-FC53-4752-922B-8B70E80C15B5}" type="slidenum">
               <a:t>14</a:t>
             </a:fld>
           </a:p>
@@ -10776,7 +10776,7 @@
         <p:txBody>
           <a:bodyPr/>
           <a:p>
-            <a:fld id="{1C7A7CC8-C681-4306-B7EE-A7BCCBF3F9E0}" type="slidenum">
+            <a:fld id="{C86A8093-50B2-43D4-9473-1310C8E8B3FE}" type="slidenum">
               <a:t>15</a:t>
             </a:fld>
           </a:p>
@@ -11189,7 +11189,7 @@
         <p:txBody>
           <a:bodyPr/>
           <a:p>
-            <a:fld id="{707F00E6-D2E5-40D1-9B1D-B05909121601}" type="slidenum">
+            <a:fld id="{13F296C7-FD69-4BBE-89A7-B039B881CB63}" type="slidenum">
               <a:t>16</a:t>
             </a:fld>
           </a:p>
@@ -11489,7 +11489,7 @@
         <p:txBody>
           <a:bodyPr/>
           <a:p>
-            <a:fld id="{B69A5362-3013-4BB0-B43F-0E3690ABB123}" type="slidenum">
+            <a:fld id="{310AC6C8-B279-4B19-BCB1-4E59CD6C791C}" type="slidenum">
               <a:t>2</a:t>
             </a:fld>
           </a:p>
@@ -11777,7 +11777,7 @@
         <p:txBody>
           <a:bodyPr/>
           <a:p>
-            <a:fld id="{EC916109-AEE4-4233-96B6-5F1A061B27F7}" type="slidenum">
+            <a:fld id="{9BF677A0-1C88-41DA-99FF-BA6661154861}" type="slidenum">
               <a:t>3</a:t>
             </a:fld>
           </a:p>
@@ -12076,7 +12076,7 @@
         <p:txBody>
           <a:bodyPr/>
           <a:p>
-            <a:fld id="{432416CB-995E-4554-8148-FECAFADBD0D8}" type="slidenum">
+            <a:fld id="{93098589-4709-45A5-86F2-E6DB63E395DF}" type="slidenum">
               <a:t>4</a:t>
             </a:fld>
           </a:p>
@@ -12413,7 +12413,7 @@
         <p:txBody>
           <a:bodyPr/>
           <a:p>
-            <a:fld id="{009F1150-7E53-4554-90A8-B699D52EDC65}" type="slidenum">
+            <a:fld id="{FB1B5002-3EFA-4295-BECC-EE1AE21992D0}" type="slidenum">
               <a:t>5</a:t>
             </a:fld>
           </a:p>
@@ -12534,7 +12534,7 @@
         </p:nvSpPr>
         <p:spPr>
           <a:xfrm>
-            <a:off x="360" y="412200"/>
+            <a:off x="361080" y="180000"/>
             <a:ext cx="9719640" cy="4987800"/>
           </a:xfrm>
           <a:prstGeom prst="rect">
@@ -12698,7 +12698,7 @@
         <p:txBody>
           <a:bodyPr/>
           <a:p>
-            <a:fld id="{B5A888E4-503E-4748-938A-8888769F9A5D}" type="slidenum">
+            <a:fld id="{69D69C83-6C4E-4277-A810-7222964621BB}" type="slidenum">
               <a:t>6</a:t>
             </a:fld>
           </a:p>
@@ -13150,7 +13150,7 @@
         <p:txBody>
           <a:bodyPr/>
           <a:p>
-            <a:fld id="{5F7AA1F0-3A4E-4A1A-A277-2B87A8EB36F5}" type="slidenum">
+            <a:fld id="{E166DE85-4071-44E2-BC9D-00C02E2D413F}" type="slidenum">
               <a:t>7</a:t>
             </a:fld>
           </a:p>
@@ -13626,7 +13626,7 @@
         <p:txBody>
           <a:bodyPr/>
           <a:p>
-            <a:fld id="{56E56A5D-1A0D-4566-98B5-6A39263D522E}" type="slidenum">
+            <a:fld id="{BCA7F097-E7CE-444D-82E2-81F107ED2CF6}" type="slidenum">
               <a:t>8</a:t>
             </a:fld>
           </a:p>
@@ -14034,7 +14034,7 @@
         <p:txBody>
           <a:bodyPr/>
           <a:p>
-            <a:fld id="{5EACE417-E56D-492E-81D5-1CEDD71B0675}" type="slidenum">
+            <a:fld id="{6CBA067C-A721-467F-A67A-6177EDB6488B}" type="slidenum">
               <a:t>9</a:t>
             </a:fld>
           </a:p>
